--- a/tecnologia-javascript/Apresentacao_WEB2_NEXTJS.pptx
+++ b/tecnologia-javascript/Apresentacao_WEB2_NEXTJS.pptx
@@ -780,7 +780,7 @@
             <a:fld id="{B61BEF0D-F0BB-DE4B-95CE-6DB70DBA9567}" type="datetimeFigureOut">
               <a:rPr lang="en-US" dirty="0"/>
               <a:pPr/>
-              <a:t>4/16/2022</a:t>
+              <a:t>5/12/2022</a:t>
             </a:fld>
             <a:endParaRPr lang="en-US" dirty="0"/>
           </a:p>
@@ -1028,7 +1028,7 @@
             <a:fld id="{B61BEF0D-F0BB-DE4B-95CE-6DB70DBA9567}" type="datetimeFigureOut">
               <a:rPr lang="en-US" dirty="0"/>
               <a:pPr/>
-              <a:t>4/16/2022</a:t>
+              <a:t>5/12/2022</a:t>
             </a:fld>
             <a:endParaRPr lang="en-US" dirty="0"/>
           </a:p>
@@ -1339,7 +1339,7 @@
             <a:fld id="{B61BEF0D-F0BB-DE4B-95CE-6DB70DBA9567}" type="datetimeFigureOut">
               <a:rPr lang="en-US" dirty="0"/>
               <a:pPr/>
-              <a:t>4/16/2022</a:t>
+              <a:t>5/12/2022</a:t>
             </a:fld>
             <a:endParaRPr lang="en-US" dirty="0"/>
           </a:p>
@@ -1677,7 +1677,7 @@
             <a:fld id="{B61BEF0D-F0BB-DE4B-95CE-6DB70DBA9567}" type="datetimeFigureOut">
               <a:rPr lang="en-US" dirty="0"/>
               <a:pPr/>
-              <a:t>4/16/2022</a:t>
+              <a:t>5/12/2022</a:t>
             </a:fld>
             <a:endParaRPr lang="en-US" dirty="0"/>
           </a:p>
@@ -1988,7 +1988,7 @@
             <a:fld id="{B61BEF0D-F0BB-DE4B-95CE-6DB70DBA9567}" type="datetimeFigureOut">
               <a:rPr lang="en-US" dirty="0"/>
               <a:pPr/>
-              <a:t>4/16/2022</a:t>
+              <a:t>5/12/2022</a:t>
             </a:fld>
             <a:endParaRPr lang="en-US" dirty="0"/>
           </a:p>
@@ -2378,7 +2378,7 @@
             <a:fld id="{B61BEF0D-F0BB-DE4B-95CE-6DB70DBA9567}" type="datetimeFigureOut">
               <a:rPr lang="en-US" dirty="0"/>
               <a:pPr/>
-              <a:t>4/16/2022</a:t>
+              <a:t>5/12/2022</a:t>
             </a:fld>
             <a:endParaRPr lang="en-US" dirty="0"/>
           </a:p>
@@ -2544,7 +2544,7 @@
           <a:p>
             <a:fld id="{55C6B4A9-1611-4792-9094-5F34BCA07E0B}" type="datetimeFigureOut">
               <a:rPr lang="en-US" dirty="0"/>
-              <a:t>4/16/2022</a:t>
+              <a:t>5/12/2022</a:t>
             </a:fld>
             <a:endParaRPr lang="en-US" dirty="0"/>
           </a:p>
@@ -2720,7 +2720,7 @@
             <a:fld id="{B61BEF0D-F0BB-DE4B-95CE-6DB70DBA9567}" type="datetimeFigureOut">
               <a:rPr lang="en-US" dirty="0"/>
               <a:pPr/>
-              <a:t>4/16/2022</a:t>
+              <a:t>5/12/2022</a:t>
             </a:fld>
             <a:endParaRPr lang="en-US" dirty="0"/>
           </a:p>
@@ -2893,7 +2893,7 @@
             <a:fld id="{B61BEF0D-F0BB-DE4B-95CE-6DB70DBA9567}" type="datetimeFigureOut">
               <a:rPr lang="en-US" dirty="0"/>
               <a:pPr/>
-              <a:t>4/16/2022</a:t>
+              <a:t>5/12/2022</a:t>
             </a:fld>
             <a:endParaRPr lang="en-US" dirty="0"/>
           </a:p>
@@ -3137,7 +3137,7 @@
             <a:fld id="{B61BEF0D-F0BB-DE4B-95CE-6DB70DBA9567}" type="datetimeFigureOut">
               <a:rPr lang="en-US" dirty="0"/>
               <a:pPr/>
-              <a:t>4/16/2022</a:t>
+              <a:t>5/12/2022</a:t>
             </a:fld>
             <a:endParaRPr lang="en-US" dirty="0"/>
           </a:p>
@@ -3365,7 +3365,7 @@
           <a:p>
             <a:fld id="{EB712588-04B1-427B-82EE-E8DB90309F08}" type="datetimeFigureOut">
               <a:rPr lang="en-US" dirty="0"/>
-              <a:t>4/16/2022</a:t>
+              <a:t>5/12/2022</a:t>
             </a:fld>
             <a:endParaRPr lang="en-US" dirty="0"/>
           </a:p>
@@ -3735,7 +3735,7 @@
             <a:fld id="{B61BEF0D-F0BB-DE4B-95CE-6DB70DBA9567}" type="datetimeFigureOut">
               <a:rPr lang="en-US" dirty="0"/>
               <a:pPr/>
-              <a:t>4/16/2022</a:t>
+              <a:t>5/12/2022</a:t>
             </a:fld>
             <a:endParaRPr lang="en-US" dirty="0"/>
           </a:p>
@@ -3855,7 +3855,7 @@
             <a:fld id="{B61BEF0D-F0BB-DE4B-95CE-6DB70DBA9567}" type="datetimeFigureOut">
               <a:rPr lang="en-US" dirty="0"/>
               <a:pPr/>
-              <a:t>4/16/2022</a:t>
+              <a:t>5/12/2022</a:t>
             </a:fld>
             <a:endParaRPr lang="en-US" dirty="0"/>
           </a:p>
@@ -3947,7 +3947,7 @@
             <a:fld id="{B61BEF0D-F0BB-DE4B-95CE-6DB70DBA9567}" type="datetimeFigureOut">
               <a:rPr lang="en-US" dirty="0"/>
               <a:pPr/>
-              <a:t>4/16/2022</a:t>
+              <a:t>5/12/2022</a:t>
             </a:fld>
             <a:endParaRPr lang="en-US" dirty="0"/>
           </a:p>
@@ -4198,7 +4198,7 @@
           <a:p>
             <a:fld id="{42A54C80-263E-416B-A8E0-580EDEADCBDC}" type="datetimeFigureOut">
               <a:rPr lang="en-US" dirty="0"/>
-              <a:t>4/16/2022</a:t>
+              <a:t>5/12/2022</a:t>
             </a:fld>
             <a:endParaRPr lang="en-US" dirty="0"/>
           </a:p>
@@ -4457,7 +4457,7 @@
             <a:fld id="{B61BEF0D-F0BB-DE4B-95CE-6DB70DBA9567}" type="datetimeFigureOut">
               <a:rPr lang="en-US" dirty="0"/>
               <a:pPr/>
-              <a:t>4/16/2022</a:t>
+              <a:t>5/12/2022</a:t>
             </a:fld>
             <a:endParaRPr lang="en-US" dirty="0"/>
           </a:p>
@@ -5197,7 +5197,7 @@
             <a:fld id="{B61BEF0D-F0BB-DE4B-95CE-6DB70DBA9567}" type="datetimeFigureOut">
               <a:rPr lang="en-US" dirty="0"/>
               <a:pPr/>
-              <a:t>4/16/2022</a:t>
+              <a:t>5/12/2022</a:t>
             </a:fld>
             <a:endParaRPr lang="en-US" dirty="0"/>
           </a:p>
@@ -6557,6 +6557,13 @@
       </p:transition>
     </mc:Fallback>
   </mc:AlternateContent>
+  <p:timing>
+    <p:tnLst>
+      <p:par>
+        <p:cTn id="1" dur="indefinite" restart="never" nodeType="tmRoot"/>
+      </p:par>
+    </p:tnLst>
+  </p:timing>
 </p:sld>
 </file>
 
@@ -8335,6 +8342,13 @@
       </p:transition>
     </mc:Fallback>
   </mc:AlternateContent>
+  <p:timing>
+    <p:tnLst>
+      <p:par>
+        <p:cTn id="1" dur="indefinite" restart="never" nodeType="tmRoot"/>
+      </p:par>
+    </p:tnLst>
+  </p:timing>
 </p:sld>
 </file>
 
@@ -9224,6 +9238,13 @@
       </p:transition>
     </mc:Fallback>
   </mc:AlternateContent>
+  <p:timing>
+    <p:tnLst>
+      <p:par>
+        <p:cTn id="1" dur="indefinite" restart="never" nodeType="tmRoot"/>
+      </p:par>
+    </p:tnLst>
+  </p:timing>
 </p:sld>
 </file>
 
@@ -10401,6 +10422,13 @@
       </p:transition>
     </mc:Fallback>
   </mc:AlternateContent>
+  <p:timing>
+    <p:tnLst>
+      <p:par>
+        <p:cTn id="1" dur="indefinite" restart="never" nodeType="tmRoot"/>
+      </p:par>
+    </p:tnLst>
+  </p:timing>
 </p:sld>
 </file>
 
@@ -10771,6 +10799,13 @@
       </p:transition>
     </mc:Fallback>
   </mc:AlternateContent>
+  <p:timing>
+    <p:tnLst>
+      <p:par>
+        <p:cTn id="1" dur="indefinite" restart="never" nodeType="tmRoot"/>
+      </p:par>
+    </p:tnLst>
+  </p:timing>
 </p:sld>
 </file>
 
@@ -11713,6 +11748,13 @@
       </p:transition>
     </mc:Fallback>
   </mc:AlternateContent>
+  <p:timing>
+    <p:tnLst>
+      <p:par>
+        <p:cTn id="1" dur="indefinite" restart="never" nodeType="tmRoot"/>
+      </p:par>
+    </p:tnLst>
+  </p:timing>
 </p:sld>
 </file>
 
@@ -11888,8 +11930,8 @@
           <a:p>
             <a:pPr algn="l"/>
             <a:r>
-              <a:rPr lang="en-US" sz="3600" b="1" dirty="0"/>
-              <a:t>Static Site Generation</a:t>
+              <a:rPr lang="en-US" sz="3600" b="1" dirty="0" smtClean="0"/>
+              <a:t>Single Page Application(SPA) - CRA</a:t>
             </a:r>
             <a:endParaRPr lang="pt-BR" sz="3600" b="1" dirty="0"/>
           </a:p>
@@ -12185,6 +12227,26 @@
                   </a:schemeClr>
                 </a:solidFill>
               </a:rPr>
+              <a:t> tem </a:t>
+            </a:r>
+            <a:r>
+              <a:rPr lang="en-US" sz="2800" b="1" dirty="0" err="1">
+                <a:solidFill>
+                  <a:schemeClr val="bg2">
+                    <a:lumMod val="25000"/>
+                  </a:schemeClr>
+                </a:solidFill>
+              </a:rPr>
+              <a:t>tanta</a:t>
+            </a:r>
+            <a:r>
+              <a:rPr lang="en-US" sz="2800" b="1" dirty="0">
+                <a:solidFill>
+                  <a:schemeClr val="bg2">
+                    <a:lumMod val="25000"/>
+                  </a:schemeClr>
+                </a:solidFill>
+              </a:rPr>
               <a:t> </a:t>
             </a:r>
             <a:r>
@@ -12195,7 +12257,7 @@
                   </a:schemeClr>
                 </a:solidFill>
               </a:rPr>
-              <a:t>tem</a:t>
+              <a:t>necessidade</a:t>
             </a:r>
             <a:r>
               <a:rPr lang="en-US" sz="2800" b="1" dirty="0">
@@ -12205,47 +12267,27 @@
                   </a:schemeClr>
                 </a:solidFill>
               </a:rPr>
+              <a:t> de </a:t>
+            </a:r>
+            <a:r>
+              <a:rPr lang="en-US" sz="2800" b="1" dirty="0" err="1" smtClean="0">
+                <a:solidFill>
+                  <a:schemeClr val="bg2">
+                    <a:lumMod val="25000"/>
+                  </a:schemeClr>
+                </a:solidFill>
+              </a:rPr>
+              <a:t>indexar</a:t>
+            </a:r>
+            <a:r>
+              <a:rPr lang="en-US" sz="2800" b="1" dirty="0" smtClean="0">
+                <a:solidFill>
+                  <a:schemeClr val="bg2">
+                    <a:lumMod val="25000"/>
+                  </a:schemeClr>
+                </a:solidFill>
+              </a:rPr>
               <a:t> </a:t>
-            </a:r>
-            <a:r>
-              <a:rPr lang="en-US" sz="2800" b="1" dirty="0" err="1">
-                <a:solidFill>
-                  <a:schemeClr val="bg2">
-                    <a:lumMod val="25000"/>
-                  </a:schemeClr>
-                </a:solidFill>
-              </a:rPr>
-              <a:t>tanta</a:t>
-            </a:r>
-            <a:r>
-              <a:rPr lang="en-US" sz="2800" b="1" dirty="0">
-                <a:solidFill>
-                  <a:schemeClr val="bg2">
-                    <a:lumMod val="25000"/>
-                  </a:schemeClr>
-                </a:solidFill>
-              </a:rPr>
-              <a:t> </a:t>
-            </a:r>
-            <a:r>
-              <a:rPr lang="en-US" sz="2800" b="1" dirty="0" err="1">
-                <a:solidFill>
-                  <a:schemeClr val="bg2">
-                    <a:lumMod val="25000"/>
-                  </a:schemeClr>
-                </a:solidFill>
-              </a:rPr>
-              <a:t>necessidade</a:t>
-            </a:r>
-            <a:r>
-              <a:rPr lang="en-US" sz="2800" b="1" dirty="0">
-                <a:solidFill>
-                  <a:schemeClr val="bg2">
-                    <a:lumMod val="25000"/>
-                  </a:schemeClr>
-                </a:solidFill>
-              </a:rPr>
-              <a:t> de indexer </a:t>
             </a:r>
             <a:r>
               <a:rPr lang="en-US" sz="2800" b="1" dirty="0" err="1">
@@ -12723,6 +12765,13 @@
       </p:transition>
     </mc:Fallback>
   </mc:AlternateContent>
+  <p:timing>
+    <p:tnLst>
+      <p:par>
+        <p:cTn id="1" dur="indefinite" restart="never" nodeType="tmRoot"/>
+      </p:par>
+    </p:tnLst>
+  </p:timing>
 </p:sld>
 </file>
 
@@ -12821,7 +12870,7 @@
         </p:spPr>
         <p:txBody>
           <a:bodyPr vert="horz" lIns="91440" tIns="45720" rIns="91440" bIns="45720" rtlCol="0" anchor="b">
-            <a:normAutofit fontScale="97500"/>
+            <a:normAutofit fontScale="90000"/>
           </a:bodyPr>
           <a:lstStyle>
             <a:lvl1pPr algn="r" defTabSz="457200" rtl="0" eaLnBrk="1" latinLnBrk="0" hangingPunct="1">
@@ -12898,8 +12947,12 @@
           <a:p>
             <a:pPr algn="l"/>
             <a:r>
-              <a:rPr lang="en-US" sz="3600" b="1" dirty="0"/>
-              <a:t>Static Site Generation</a:t>
+              <a:rPr lang="en-US" sz="3600" b="1" dirty="0" smtClean="0"/>
+              <a:t>Server Side Rendering (SSR) - </a:t>
+            </a:r>
+            <a:r>
+              <a:rPr lang="en-US" sz="3600" b="1" dirty="0" err="1" smtClean="0"/>
+              <a:t>NextJS</a:t>
             </a:r>
             <a:endParaRPr lang="pt-BR" sz="3600" b="1" dirty="0"/>
           </a:p>
@@ -13344,14 +13397,14 @@
               <a:t> </a:t>
             </a:r>
             <a:r>
-              <a:rPr lang="en-US" sz="2800" b="1" dirty="0" err="1">
-                <a:solidFill>
-                  <a:schemeClr val="bg2">
-                    <a:lumMod val="25000"/>
-                  </a:schemeClr>
-                </a:solidFill>
-              </a:rPr>
-              <a:t>freqentemente</a:t>
+              <a:rPr lang="en-US" sz="2800" b="1" dirty="0" err="1" smtClean="0">
+                <a:solidFill>
+                  <a:schemeClr val="bg2">
+                    <a:lumMod val="25000"/>
+                  </a:schemeClr>
+                </a:solidFill>
+              </a:rPr>
+              <a:t>frequentemente</a:t>
             </a:r>
             <a:r>
               <a:rPr lang="en-US" sz="2800" b="1" dirty="0">
@@ -13679,6 +13732,13 @@
       </p:transition>
     </mc:Fallback>
   </mc:AlternateContent>
+  <p:timing>
+    <p:tnLst>
+      <p:par>
+        <p:cTn id="1" dur="indefinite" restart="never" nodeType="tmRoot"/>
+      </p:par>
+    </p:tnLst>
+  </p:timing>
 </p:sld>
 </file>
 
@@ -14393,6 +14453,13 @@
       </p:transition>
     </mc:Fallback>
   </mc:AlternateContent>
+  <p:timing>
+    <p:tnLst>
+      <p:par>
+        <p:cTn id="1" dur="indefinite" restart="never" nodeType="tmRoot"/>
+      </p:par>
+    </p:tnLst>
+  </p:timing>
 </p:sld>
 </file>
 
@@ -14755,6 +14822,13 @@
       </p:transition>
     </mc:Fallback>
   </mc:AlternateContent>
+  <p:timing>
+    <p:tnLst>
+      <p:par>
+        <p:cTn id="1" dur="indefinite" restart="never" nodeType="tmRoot"/>
+      </p:par>
+    </p:tnLst>
+  </p:timing>
 </p:sld>
 </file>
 
@@ -14936,6 +15010,13 @@
       </p:transition>
     </mc:Fallback>
   </mc:AlternateContent>
+  <p:timing>
+    <p:tnLst>
+      <p:par>
+        <p:cTn id="1" dur="indefinite" restart="never" nodeType="tmRoot"/>
+      </p:par>
+    </p:tnLst>
+  </p:timing>
 </p:sld>
 </file>
 
@@ -15676,6 +15757,13 @@
       </p:transition>
     </mc:Fallback>
   </mc:AlternateContent>
+  <p:timing>
+    <p:tnLst>
+      <p:par>
+        <p:cTn id="1" dur="indefinite" restart="never" nodeType="tmRoot"/>
+      </p:par>
+    </p:tnLst>
+  </p:timing>
 </p:sld>
 </file>
 
@@ -16543,6 +16631,13 @@
       </p:transition>
     </mc:Fallback>
   </mc:AlternateContent>
+  <p:timing>
+    <p:tnLst>
+      <p:par>
+        <p:cTn id="1" dur="indefinite" restart="never" nodeType="tmRoot"/>
+      </p:par>
+    </p:tnLst>
+  </p:timing>
 </p:sld>
 </file>
 
@@ -17034,6 +17129,16 @@
           <a:p>
             <a:pPr algn="l"/>
             <a:r>
+              <a:rPr lang="pt-BR" sz="2800" b="1" dirty="0" smtClean="0">
+                <a:solidFill>
+                  <a:schemeClr val="bg2">
+                    <a:lumMod val="25000"/>
+                  </a:schemeClr>
+                </a:solidFill>
+              </a:rPr>
+              <a:t>“Um </a:t>
+            </a:r>
+            <a:r>
               <a:rPr lang="pt-BR" sz="2800" b="1" dirty="0">
                 <a:solidFill>
                   <a:schemeClr val="bg2">
@@ -17041,7 +17146,17 @@
                   </a:schemeClr>
                 </a:solidFill>
               </a:rPr>
-              <a:t>Um Framework Web é um sistema opinativo com estrutura e ferramentas já definidas.</a:t>
+              <a:t>Framework Web é um sistema opinativo com estrutura e ferramentas já definidas</a:t>
+            </a:r>
+            <a:r>
+              <a:rPr lang="pt-BR" sz="2800" b="1" dirty="0" smtClean="0">
+                <a:solidFill>
+                  <a:schemeClr val="bg2">
+                    <a:lumMod val="25000"/>
+                  </a:schemeClr>
+                </a:solidFill>
+              </a:rPr>
+              <a:t>.”</a:t>
             </a:r>
             <a:endParaRPr lang="pt-BR" sz="2800" dirty="0">
               <a:solidFill>
@@ -17075,6 +17190,13 @@
       </p:transition>
     </mc:Fallback>
   </mc:AlternateContent>
+  <p:timing>
+    <p:tnLst>
+      <p:par>
+        <p:cTn id="1" dur="indefinite" restart="never" nodeType="tmRoot"/>
+      </p:par>
+    </p:tnLst>
+  </p:timing>
 </p:sld>
 </file>
 
@@ -18085,6 +18207,13 @@
       </p:transition>
     </mc:Fallback>
   </mc:AlternateContent>
+  <p:timing>
+    <p:tnLst>
+      <p:par>
+        <p:cTn id="1" dur="indefinite" restart="never" nodeType="tmRoot"/>
+      </p:par>
+    </p:tnLst>
+  </p:timing>
 </p:sld>
 </file>
 
@@ -18447,6 +18576,13 @@
       </p:transition>
     </mc:Fallback>
   </mc:AlternateContent>
+  <p:timing>
+    <p:tnLst>
+      <p:par>
+        <p:cTn id="1" dur="indefinite" restart="never" nodeType="tmRoot"/>
+      </p:par>
+    </p:tnLst>
+  </p:timing>
 </p:sld>
 </file>
 
@@ -19244,6 +19380,13 @@
       </p:transition>
     </mc:Fallback>
   </mc:AlternateContent>
+  <p:timing>
+    <p:tnLst>
+      <p:par>
+        <p:cTn id="1" dur="indefinite" restart="never" nodeType="tmRoot"/>
+      </p:par>
+    </p:tnLst>
+  </p:timing>
 </p:sld>
 </file>
 
